--- a/Chapter5/Figures/Fig1.pptx
+++ b/Chapter5/Figures/Fig1.pptx
@@ -288,7 +288,7 @@
           <a:p>
             <a:fld id="{3FB4946E-59B7-4D06-9E63-1D81E8A16817}" type="datetimeFigureOut">
               <a:rPr lang="en-GB" smtClean="0"/>
-              <a:t>29/04/2014</a:t>
+              <a:t>01/07/2014</a:t>
             </a:fld>
             <a:endParaRPr lang="en-GB"/>
           </a:p>
@@ -458,7 +458,7 @@
           <a:p>
             <a:fld id="{3FB4946E-59B7-4D06-9E63-1D81E8A16817}" type="datetimeFigureOut">
               <a:rPr lang="en-GB" smtClean="0"/>
-              <a:t>29/04/2014</a:t>
+              <a:t>01/07/2014</a:t>
             </a:fld>
             <a:endParaRPr lang="en-GB"/>
           </a:p>
@@ -638,7 +638,7 @@
           <a:p>
             <a:fld id="{3FB4946E-59B7-4D06-9E63-1D81E8A16817}" type="datetimeFigureOut">
               <a:rPr lang="en-GB" smtClean="0"/>
-              <a:t>29/04/2014</a:t>
+              <a:t>01/07/2014</a:t>
             </a:fld>
             <a:endParaRPr lang="en-GB"/>
           </a:p>
@@ -808,7 +808,7 @@
           <a:p>
             <a:fld id="{3FB4946E-59B7-4D06-9E63-1D81E8A16817}" type="datetimeFigureOut">
               <a:rPr lang="en-GB" smtClean="0"/>
-              <a:t>29/04/2014</a:t>
+              <a:t>01/07/2014</a:t>
             </a:fld>
             <a:endParaRPr lang="en-GB"/>
           </a:p>
@@ -1054,7 +1054,7 @@
           <a:p>
             <a:fld id="{3FB4946E-59B7-4D06-9E63-1D81E8A16817}" type="datetimeFigureOut">
               <a:rPr lang="en-GB" smtClean="0"/>
-              <a:t>29/04/2014</a:t>
+              <a:t>01/07/2014</a:t>
             </a:fld>
             <a:endParaRPr lang="en-GB"/>
           </a:p>
@@ -1342,7 +1342,7 @@
           <a:p>
             <a:fld id="{3FB4946E-59B7-4D06-9E63-1D81E8A16817}" type="datetimeFigureOut">
               <a:rPr lang="en-GB" smtClean="0"/>
-              <a:t>29/04/2014</a:t>
+              <a:t>01/07/2014</a:t>
             </a:fld>
             <a:endParaRPr lang="en-GB"/>
           </a:p>
@@ -1764,7 +1764,7 @@
           <a:p>
             <a:fld id="{3FB4946E-59B7-4D06-9E63-1D81E8A16817}" type="datetimeFigureOut">
               <a:rPr lang="en-GB" smtClean="0"/>
-              <a:t>29/04/2014</a:t>
+              <a:t>01/07/2014</a:t>
             </a:fld>
             <a:endParaRPr lang="en-GB"/>
           </a:p>
@@ -1882,7 +1882,7 @@
           <a:p>
             <a:fld id="{3FB4946E-59B7-4D06-9E63-1D81E8A16817}" type="datetimeFigureOut">
               <a:rPr lang="en-GB" smtClean="0"/>
-              <a:t>29/04/2014</a:t>
+              <a:t>01/07/2014</a:t>
             </a:fld>
             <a:endParaRPr lang="en-GB"/>
           </a:p>
@@ -1977,7 +1977,7 @@
           <a:p>
             <a:fld id="{3FB4946E-59B7-4D06-9E63-1D81E8A16817}" type="datetimeFigureOut">
               <a:rPr lang="en-GB" smtClean="0"/>
-              <a:t>29/04/2014</a:t>
+              <a:t>01/07/2014</a:t>
             </a:fld>
             <a:endParaRPr lang="en-GB"/>
           </a:p>
@@ -2254,7 +2254,7 @@
           <a:p>
             <a:fld id="{3FB4946E-59B7-4D06-9E63-1D81E8A16817}" type="datetimeFigureOut">
               <a:rPr lang="en-GB" smtClean="0"/>
-              <a:t>29/04/2014</a:t>
+              <a:t>01/07/2014</a:t>
             </a:fld>
             <a:endParaRPr lang="en-GB"/>
           </a:p>
@@ -2507,7 +2507,7 @@
           <a:p>
             <a:fld id="{3FB4946E-59B7-4D06-9E63-1D81E8A16817}" type="datetimeFigureOut">
               <a:rPr lang="en-GB" smtClean="0"/>
-              <a:t>29/04/2014</a:t>
+              <a:t>01/07/2014</a:t>
             </a:fld>
             <a:endParaRPr lang="en-GB"/>
           </a:p>
@@ -2720,7 +2720,7 @@
           <a:p>
             <a:fld id="{3FB4946E-59B7-4D06-9E63-1D81E8A16817}" type="datetimeFigureOut">
               <a:rPr lang="en-GB" smtClean="0"/>
-              <a:t>29/04/2014</a:t>
+              <a:t>01/07/2014</a:t>
             </a:fld>
             <a:endParaRPr lang="en-GB"/>
           </a:p>
@@ -4396,8 +4396,8 @@
           <p:nvPr/>
         </p:nvSpPr>
         <p:spPr>
-          <a:xfrm rot="12800999">
-            <a:off x="2665733" y="3452703"/>
+          <a:xfrm rot="11387814">
+            <a:off x="3184247" y="3700332"/>
             <a:ext cx="540000" cy="288000"/>
           </a:xfrm>
           <a:prstGeom prst="rightArrow">
@@ -4409,6 +4409,15 @@
           <a:ln>
             <a:noFill/>
           </a:ln>
+          <a:scene3d>
+            <a:camera prst="isometricOffAxis1Top">
+              <a:rot lat="759697" lon="3260829" rev="1797984"/>
+            </a:camera>
+            <a:lightRig rig="threePt" dir="t"/>
+          </a:scene3d>
+          <a:sp3d prstMaterial="matte">
+            <a:bevelT/>
+          </a:sp3d>
         </p:spPr>
         <p:style>
           <a:lnRef idx="2">
@@ -4691,6 +4700,13 @@
   <p:clrMapOvr>
     <a:masterClrMapping/>
   </p:clrMapOvr>
+  <p:timing>
+    <p:tnLst>
+      <p:par>
+        <p:cTn id="1" dur="indefinite" restart="never" nodeType="tmRoot"/>
+      </p:par>
+    </p:tnLst>
+  </p:timing>
 </p:sld>
 </file>
 
